--- a/CeditCard_tran_cust_analyis_report_presentation.pptx
+++ b/CeditCard_tran_cust_analyis_report_presentation.pptx
@@ -238,7 +238,7 @@
           <a:p>
             <a:fld id="{AB225B86-3FBB-4B50-9DC3-7CE39FEF7C7A}" type="datetimeFigureOut">
               <a:rPr lang="en-IN" smtClean="0"/>
-              <a:t>17-07-2024</a:t>
+              <a:t>18-07-2024</a:t>
             </a:fld>
             <a:endParaRPr lang="en-IN"/>
           </a:p>
@@ -1018,7 +1018,7 @@
           <a:p>
             <a:fld id="{130048F2-E18B-48F7-BB85-C2A4BED29BF6}" type="datetimeFigureOut">
               <a:rPr lang="en-IN" smtClean="0"/>
-              <a:t>17-07-2024</a:t>
+              <a:t>18-07-2024</a:t>
             </a:fld>
             <a:endParaRPr lang="en-IN"/>
           </a:p>
@@ -1188,7 +1188,7 @@
           <a:p>
             <a:fld id="{130048F2-E18B-48F7-BB85-C2A4BED29BF6}" type="datetimeFigureOut">
               <a:rPr lang="en-IN" smtClean="0"/>
-              <a:t>17-07-2024</a:t>
+              <a:t>18-07-2024</a:t>
             </a:fld>
             <a:endParaRPr lang="en-IN"/>
           </a:p>
@@ -1411,7 +1411,7 @@
           <a:p>
             <a:fld id="{130048F2-E18B-48F7-BB85-C2A4BED29BF6}" type="datetimeFigureOut">
               <a:rPr lang="en-IN" smtClean="0"/>
-              <a:t>17-07-2024</a:t>
+              <a:t>18-07-2024</a:t>
             </a:fld>
             <a:endParaRPr lang="en-IN"/>
           </a:p>
@@ -1591,7 +1591,7 @@
           <a:p>
             <a:fld id="{130048F2-E18B-48F7-BB85-C2A4BED29BF6}" type="datetimeFigureOut">
               <a:rPr lang="en-IN" smtClean="0"/>
-              <a:t>17-07-2024</a:t>
+              <a:t>18-07-2024</a:t>
             </a:fld>
             <a:endParaRPr lang="en-IN"/>
           </a:p>
@@ -1897,7 +1897,7 @@
           <a:p>
             <a:fld id="{130048F2-E18B-48F7-BB85-C2A4BED29BF6}" type="datetimeFigureOut">
               <a:rPr lang="en-IN" smtClean="0"/>
-              <a:t>17-07-2024</a:t>
+              <a:t>18-07-2024</a:t>
             </a:fld>
             <a:endParaRPr lang="en-IN"/>
           </a:p>
@@ -2201,7 +2201,7 @@
           <a:p>
             <a:fld id="{130048F2-E18B-48F7-BB85-C2A4BED29BF6}" type="datetimeFigureOut">
               <a:rPr lang="en-IN" smtClean="0"/>
-              <a:t>17-07-2024</a:t>
+              <a:t>18-07-2024</a:t>
             </a:fld>
             <a:endParaRPr lang="en-IN"/>
           </a:p>
@@ -2623,7 +2623,7 @@
           <a:p>
             <a:fld id="{130048F2-E18B-48F7-BB85-C2A4BED29BF6}" type="datetimeFigureOut">
               <a:rPr lang="en-IN" smtClean="0"/>
-              <a:t>17-07-2024</a:t>
+              <a:t>18-07-2024</a:t>
             </a:fld>
             <a:endParaRPr lang="en-IN"/>
           </a:p>
@@ -2741,7 +2741,7 @@
           <a:p>
             <a:fld id="{130048F2-E18B-48F7-BB85-C2A4BED29BF6}" type="datetimeFigureOut">
               <a:rPr lang="en-IN" smtClean="0"/>
-              <a:t>17-07-2024</a:t>
+              <a:t>18-07-2024</a:t>
             </a:fld>
             <a:endParaRPr lang="en-IN"/>
           </a:p>
@@ -2836,7 +2836,7 @@
           <a:p>
             <a:fld id="{130048F2-E18B-48F7-BB85-C2A4BED29BF6}" type="datetimeFigureOut">
               <a:rPr lang="en-IN" smtClean="0"/>
-              <a:t>17-07-2024</a:t>
+              <a:t>18-07-2024</a:t>
             </a:fld>
             <a:endParaRPr lang="en-IN"/>
           </a:p>
@@ -3109,7 +3109,7 @@
           <a:p>
             <a:fld id="{130048F2-E18B-48F7-BB85-C2A4BED29BF6}" type="datetimeFigureOut">
               <a:rPr lang="en-IN" smtClean="0"/>
-              <a:t>17-07-2024</a:t>
+              <a:t>18-07-2024</a:t>
             </a:fld>
             <a:endParaRPr lang="en-IN"/>
           </a:p>
@@ -3374,7 +3374,7 @@
           <a:p>
             <a:fld id="{130048F2-E18B-48F7-BB85-C2A4BED29BF6}" type="datetimeFigureOut">
               <a:rPr lang="en-IN" smtClean="0"/>
-              <a:t>17-07-2024</a:t>
+              <a:t>18-07-2024</a:t>
             </a:fld>
             <a:endParaRPr lang="en-IN"/>
           </a:p>
@@ -3623,7 +3623,7 @@
           <a:p>
             <a:fld id="{130048F2-E18B-48F7-BB85-C2A4BED29BF6}" type="datetimeFigureOut">
               <a:rPr lang="en-IN" smtClean="0"/>
-              <a:t>17-07-2024</a:t>
+              <a:t>18-07-2024</a:t>
             </a:fld>
             <a:endParaRPr lang="en-IN"/>
           </a:p>
@@ -4969,10 +4969,10 @@
       </p:sp>
       <p:pic>
         <p:nvPicPr>
-          <p:cNvPr id="4" name="Picture 3">
-            <a:extLst>
-              <a:ext uri="{FF2B5EF4-FFF2-40B4-BE49-F238E27FC236}">
-                <a16:creationId xmlns:a16="http://schemas.microsoft.com/office/drawing/2014/main" id="{051B52D4-AF5A-FD13-1C35-EA2A7746E474}"/>
+          <p:cNvPr id="6" name="Picture 5">
+            <a:extLst>
+              <a:ext uri="{FF2B5EF4-FFF2-40B4-BE49-F238E27FC236}">
+                <a16:creationId xmlns:a16="http://schemas.microsoft.com/office/drawing/2014/main" id="{12EA0707-106A-D759-4C43-FB4A6BBC95A6}"/>
               </a:ext>
             </a:extLst>
           </p:cNvPr>
@@ -4989,8 +4989,8 @@
         </p:blipFill>
         <p:spPr>
           <a:xfrm>
-            <a:off x="181505" y="1060704"/>
-            <a:ext cx="5914495" cy="5658148"/>
+            <a:off x="6231835" y="1060704"/>
+            <a:ext cx="5778661" cy="5658148"/>
           </a:xfrm>
           <a:prstGeom prst="rect">
             <a:avLst/>
@@ -4999,10 +4999,10 @@
       </p:pic>
       <p:pic>
         <p:nvPicPr>
-          <p:cNvPr id="6" name="Picture 5">
-            <a:extLst>
-              <a:ext uri="{FF2B5EF4-FFF2-40B4-BE49-F238E27FC236}">
-                <a16:creationId xmlns:a16="http://schemas.microsoft.com/office/drawing/2014/main" id="{12EA0707-106A-D759-4C43-FB4A6BBC95A6}"/>
+          <p:cNvPr id="5" name="Picture 4">
+            <a:extLst>
+              <a:ext uri="{FF2B5EF4-FFF2-40B4-BE49-F238E27FC236}">
+                <a16:creationId xmlns:a16="http://schemas.microsoft.com/office/drawing/2014/main" id="{577648B1-DCA5-4B73-F287-1E89013AB763}"/>
               </a:ext>
             </a:extLst>
           </p:cNvPr>
@@ -5019,8 +5019,8 @@
         </p:blipFill>
         <p:spPr>
           <a:xfrm>
-            <a:off x="6231835" y="1060704"/>
-            <a:ext cx="5778661" cy="5658148"/>
+            <a:off x="108941" y="1060704"/>
+            <a:ext cx="5987059" cy="5658148"/>
           </a:xfrm>
           <a:prstGeom prst="rect">
             <a:avLst/>
@@ -6754,7 +6754,7 @@
                 </a:solidFill>
                 <a:latin typeface="+mj-lt"/>
               </a:rPr>
-              <a:t>contribution of the </a:t>
+              <a:t>contribution of the</a:t>
             </a:r>
           </a:p>
           <a:p>
@@ -6766,7 +6766,7 @@
                 </a:solidFill>
                 <a:latin typeface="+mj-lt"/>
               </a:rPr>
-              <a:t>card category in</a:t>
+              <a:t>each card category in</a:t>
             </a:r>
           </a:p>
           <a:p>
